--- a/docs/A2gGeneratorDocumentation.pptx
+++ b/docs/A2gGeneratorDocumentation.pptx
@@ -18,6 +18,7 @@
     <p:sldId id="271" r:id="rId12"/>
     <p:sldId id="270" r:id="rId13"/>
     <p:sldId id="273" r:id="rId14"/>
+    <p:sldId id="275" r:id="rId15"/>
   </p:sldIdLst>
   <p:sldSz cx="9144000" cy="6858000" type="screen4x3"/>
   <p:notesSz cx="6858000" cy="9144000"/>
@@ -300,7 +301,8 @@
           <a:p>
             <a:fld id="{9991160B-C46E-45DD-B3AF-147831099626}" type="datetimeFigureOut">
               <a:rPr lang="en-NZ" smtClean="0"/>
-              <a:t>2017-01-07</a:t>
+              <a:pPr/>
+              <a:t>2017-01-08</a:t>
             </a:fld>
             <a:endParaRPr lang="en-NZ"/>
           </a:p>
@@ -342,6 +344,7 @@
           <a:p>
             <a:fld id="{331DECD7-0638-4D9F-B115-82CF46BDA900}" type="slidenum">
               <a:rPr lang="en-NZ" smtClean="0"/>
+              <a:pPr/>
               <a:t>‹#›</a:t>
             </a:fld>
             <a:endParaRPr lang="en-NZ"/>
@@ -465,7 +468,8 @@
           <a:p>
             <a:fld id="{9991160B-C46E-45DD-B3AF-147831099626}" type="datetimeFigureOut">
               <a:rPr lang="en-NZ" smtClean="0"/>
-              <a:t>2017-01-07</a:t>
+              <a:pPr/>
+              <a:t>2017-01-08</a:t>
             </a:fld>
             <a:endParaRPr lang="en-NZ"/>
           </a:p>
@@ -507,6 +511,7 @@
           <a:p>
             <a:fld id="{331DECD7-0638-4D9F-B115-82CF46BDA900}" type="slidenum">
               <a:rPr lang="en-NZ" smtClean="0"/>
+              <a:pPr/>
               <a:t>‹#›</a:t>
             </a:fld>
             <a:endParaRPr lang="en-NZ"/>
@@ -640,7 +645,8 @@
           <a:p>
             <a:fld id="{9991160B-C46E-45DD-B3AF-147831099626}" type="datetimeFigureOut">
               <a:rPr lang="en-NZ" smtClean="0"/>
-              <a:t>2017-01-07</a:t>
+              <a:pPr/>
+              <a:t>2017-01-08</a:t>
             </a:fld>
             <a:endParaRPr lang="en-NZ"/>
           </a:p>
@@ -682,6 +688,7 @@
           <a:p>
             <a:fld id="{331DECD7-0638-4D9F-B115-82CF46BDA900}" type="slidenum">
               <a:rPr lang="en-NZ" smtClean="0"/>
+              <a:pPr/>
               <a:t>‹#›</a:t>
             </a:fld>
             <a:endParaRPr lang="en-NZ"/>
@@ -805,7 +812,8 @@
           <a:p>
             <a:fld id="{9991160B-C46E-45DD-B3AF-147831099626}" type="datetimeFigureOut">
               <a:rPr lang="en-NZ" smtClean="0"/>
-              <a:t>2017-01-07</a:t>
+              <a:pPr/>
+              <a:t>2017-01-08</a:t>
             </a:fld>
             <a:endParaRPr lang="en-NZ"/>
           </a:p>
@@ -847,6 +855,7 @@
           <a:p>
             <a:fld id="{331DECD7-0638-4D9F-B115-82CF46BDA900}" type="slidenum">
               <a:rPr lang="en-NZ" smtClean="0"/>
+              <a:pPr/>
               <a:t>‹#›</a:t>
             </a:fld>
             <a:endParaRPr lang="en-NZ"/>
@@ -1046,7 +1055,8 @@
           <a:p>
             <a:fld id="{9991160B-C46E-45DD-B3AF-147831099626}" type="datetimeFigureOut">
               <a:rPr lang="en-NZ" smtClean="0"/>
-              <a:t>2017-01-07</a:t>
+              <a:pPr/>
+              <a:t>2017-01-08</a:t>
             </a:fld>
             <a:endParaRPr lang="en-NZ"/>
           </a:p>
@@ -1088,6 +1098,7 @@
           <a:p>
             <a:fld id="{331DECD7-0638-4D9F-B115-82CF46BDA900}" type="slidenum">
               <a:rPr lang="en-NZ" smtClean="0"/>
+              <a:pPr/>
               <a:t>‹#›</a:t>
             </a:fld>
             <a:endParaRPr lang="en-NZ"/>
@@ -1329,7 +1340,8 @@
           <a:p>
             <a:fld id="{9991160B-C46E-45DD-B3AF-147831099626}" type="datetimeFigureOut">
               <a:rPr lang="en-NZ" smtClean="0"/>
-              <a:t>2017-01-07</a:t>
+              <a:pPr/>
+              <a:t>2017-01-08</a:t>
             </a:fld>
             <a:endParaRPr lang="en-NZ"/>
           </a:p>
@@ -1371,6 +1383,7 @@
           <a:p>
             <a:fld id="{331DECD7-0638-4D9F-B115-82CF46BDA900}" type="slidenum">
               <a:rPr lang="en-NZ" smtClean="0"/>
+              <a:pPr/>
               <a:t>‹#›</a:t>
             </a:fld>
             <a:endParaRPr lang="en-NZ"/>
@@ -1746,7 +1759,8 @@
           <a:p>
             <a:fld id="{9991160B-C46E-45DD-B3AF-147831099626}" type="datetimeFigureOut">
               <a:rPr lang="en-NZ" smtClean="0"/>
-              <a:t>2017-01-07</a:t>
+              <a:pPr/>
+              <a:t>2017-01-08</a:t>
             </a:fld>
             <a:endParaRPr lang="en-NZ"/>
           </a:p>
@@ -1788,6 +1802,7 @@
           <a:p>
             <a:fld id="{331DECD7-0638-4D9F-B115-82CF46BDA900}" type="slidenum">
               <a:rPr lang="en-NZ" smtClean="0"/>
+              <a:pPr/>
               <a:t>‹#›</a:t>
             </a:fld>
             <a:endParaRPr lang="en-NZ"/>
@@ -1859,7 +1874,8 @@
           <a:p>
             <a:fld id="{9991160B-C46E-45DD-B3AF-147831099626}" type="datetimeFigureOut">
               <a:rPr lang="en-NZ" smtClean="0"/>
-              <a:t>2017-01-07</a:t>
+              <a:pPr/>
+              <a:t>2017-01-08</a:t>
             </a:fld>
             <a:endParaRPr lang="en-NZ"/>
           </a:p>
@@ -1901,6 +1917,7 @@
           <a:p>
             <a:fld id="{331DECD7-0638-4D9F-B115-82CF46BDA900}" type="slidenum">
               <a:rPr lang="en-NZ" smtClean="0"/>
+              <a:pPr/>
               <a:t>‹#›</a:t>
             </a:fld>
             <a:endParaRPr lang="en-NZ"/>
@@ -1949,7 +1966,8 @@
           <a:p>
             <a:fld id="{9991160B-C46E-45DD-B3AF-147831099626}" type="datetimeFigureOut">
               <a:rPr lang="en-NZ" smtClean="0"/>
-              <a:t>2017-01-07</a:t>
+              <a:pPr/>
+              <a:t>2017-01-08</a:t>
             </a:fld>
             <a:endParaRPr lang="en-NZ"/>
           </a:p>
@@ -1991,6 +2009,7 @@
           <a:p>
             <a:fld id="{331DECD7-0638-4D9F-B115-82CF46BDA900}" type="slidenum">
               <a:rPr lang="en-NZ" smtClean="0"/>
+              <a:pPr/>
               <a:t>‹#›</a:t>
             </a:fld>
             <a:endParaRPr lang="en-NZ"/>
@@ -2221,7 +2240,8 @@
           <a:p>
             <a:fld id="{9991160B-C46E-45DD-B3AF-147831099626}" type="datetimeFigureOut">
               <a:rPr lang="en-NZ" smtClean="0"/>
-              <a:t>2017-01-07</a:t>
+              <a:pPr/>
+              <a:t>2017-01-08</a:t>
             </a:fld>
             <a:endParaRPr lang="en-NZ"/>
           </a:p>
@@ -2263,6 +2283,7 @@
           <a:p>
             <a:fld id="{331DECD7-0638-4D9F-B115-82CF46BDA900}" type="slidenum">
               <a:rPr lang="en-NZ" smtClean="0"/>
+              <a:pPr/>
               <a:t>‹#›</a:t>
             </a:fld>
             <a:endParaRPr lang="en-NZ"/>
@@ -2469,7 +2490,8 @@
           <a:p>
             <a:fld id="{9991160B-C46E-45DD-B3AF-147831099626}" type="datetimeFigureOut">
               <a:rPr lang="en-NZ" smtClean="0"/>
-              <a:t>2017-01-07</a:t>
+              <a:pPr/>
+              <a:t>2017-01-08</a:t>
             </a:fld>
             <a:endParaRPr lang="en-NZ"/>
           </a:p>
@@ -2511,6 +2533,7 @@
           <a:p>
             <a:fld id="{331DECD7-0638-4D9F-B115-82CF46BDA900}" type="slidenum">
               <a:rPr lang="en-NZ" smtClean="0"/>
+              <a:pPr/>
               <a:t>‹#›</a:t>
             </a:fld>
             <a:endParaRPr lang="en-NZ"/>
@@ -2677,7 +2700,8 @@
           <a:p>
             <a:fld id="{9991160B-C46E-45DD-B3AF-147831099626}" type="datetimeFigureOut">
               <a:rPr lang="en-NZ" smtClean="0"/>
-              <a:t>2017-01-07</a:t>
+              <a:pPr/>
+              <a:t>2017-01-08</a:t>
             </a:fld>
             <a:endParaRPr lang="en-NZ"/>
           </a:p>
@@ -2755,6 +2779,7 @@
           <a:p>
             <a:fld id="{331DECD7-0638-4D9F-B115-82CF46BDA900}" type="slidenum">
               <a:rPr lang="en-NZ" smtClean="0"/>
+              <a:pPr/>
               <a:t>‹#›</a:t>
             </a:fld>
             <a:endParaRPr lang="en-NZ"/>
@@ -3144,9 +3169,63 @@
           <a:chExt cx="0" cy="0"/>
         </a:xfrm>
       </p:grpSpPr>
+      <p:sp>
+        <p:nvSpPr>
+          <p:cNvPr id="15" name="TextBox 14"/>
+          <p:cNvSpPr txBox="1"/>
+          <p:nvPr/>
+        </p:nvSpPr>
+        <p:spPr>
+          <a:xfrm>
+            <a:off x="6084168" y="0"/>
+            <a:ext cx="3059832" cy="2323713"/>
+          </a:xfrm>
+          <a:prstGeom prst="rect">
+            <a:avLst/>
+          </a:prstGeom>
+          <a:noFill/>
+        </p:spPr>
+        <p:txBody>
+          <a:bodyPr wrap="square" rtlCol="0">
+            <a:spAutoFit/>
+          </a:bodyPr>
+          <a:lstStyle/>
+          <a:p>
+            <a:r>
+              <a:rPr lang="en-NZ" sz="4700" b="1" dirty="0" smtClean="0"/>
+              <a:t>Loader.java</a:t>
+            </a:r>
+          </a:p>
+          <a:p>
+            <a:r>
+              <a:rPr lang="en-NZ" sz="1400" dirty="0" smtClean="0"/>
+              <a:t>Every  subfolder with one or more bundles will also get an OnlyLoader.java </a:t>
+            </a:r>
+          </a:p>
+          <a:p>
+            <a:endParaRPr lang="en-NZ" sz="1400" dirty="0"/>
+          </a:p>
+          <a:p>
+            <a:r>
+              <a:rPr lang="en-NZ" sz="1400" dirty="0" smtClean="0"/>
+              <a:t>OnlyLoader.java, these take care of loading the bundles asynchronously.</a:t>
+            </a:r>
+          </a:p>
+          <a:p>
+            <a:pPr marL="342900" indent="-342900">
+              <a:buAutoNum type="arabicPeriod"/>
+            </a:pPr>
+            <a:endParaRPr lang="en-NZ" sz="1400" dirty="0" smtClean="0"/>
+          </a:p>
+          <a:p>
+            <a:pPr marL="342900" indent="-342900"/>
+            <a:endParaRPr lang="en-NZ" sz="1400" dirty="0" smtClean="0"/>
+          </a:p>
+        </p:txBody>
+      </p:sp>
       <p:pic>
         <p:nvPicPr>
-          <p:cNvPr id="6" name="Picture 2"/>
+          <p:cNvPr id="5123" name="Picture 3"/>
           <p:cNvPicPr>
             <a:picLocks noChangeAspect="1" noChangeArrowheads="1"/>
           </p:cNvPicPr>
@@ -3176,60 +3255,6 @@
           </a:ln>
         </p:spPr>
       </p:pic>
-      <p:sp>
-        <p:nvSpPr>
-          <p:cNvPr id="15" name="TextBox 14"/>
-          <p:cNvSpPr txBox="1"/>
-          <p:nvPr/>
-        </p:nvSpPr>
-        <p:spPr>
-          <a:xfrm>
-            <a:off x="6084168" y="0"/>
-            <a:ext cx="3059832" cy="2323713"/>
-          </a:xfrm>
-          <a:prstGeom prst="rect">
-            <a:avLst/>
-          </a:prstGeom>
-          <a:noFill/>
-        </p:spPr>
-        <p:txBody>
-          <a:bodyPr wrap="square" rtlCol="0">
-            <a:spAutoFit/>
-          </a:bodyPr>
-          <a:lstStyle/>
-          <a:p>
-            <a:r>
-              <a:rPr lang="en-NZ" sz="4700" b="1" dirty="0" smtClean="0"/>
-              <a:t>Loader.java</a:t>
-            </a:r>
-          </a:p>
-          <a:p>
-            <a:r>
-              <a:rPr lang="en-NZ" sz="1400" dirty="0" smtClean="0"/>
-              <a:t>Every  subfolder with one or more bundles will also get an OnlyLoader.java </a:t>
-            </a:r>
-          </a:p>
-          <a:p>
-            <a:endParaRPr lang="en-NZ" sz="1400" dirty="0"/>
-          </a:p>
-          <a:p>
-            <a:r>
-              <a:rPr lang="en-NZ" sz="1400" dirty="0" smtClean="0"/>
-              <a:t>OnlyLoader.java, these take care of loading the bundles asynchronously.</a:t>
-            </a:r>
-          </a:p>
-          <a:p>
-            <a:pPr marL="342900" indent="-342900">
-              <a:buAutoNum type="arabicPeriod"/>
-            </a:pPr>
-            <a:endParaRPr lang="en-NZ" sz="1400" dirty="0" smtClean="0"/>
-          </a:p>
-          <a:p>
-            <a:pPr marL="342900" indent="-342900"/>
-            <a:endParaRPr lang="en-NZ" sz="1400" dirty="0" smtClean="0"/>
-          </a:p>
-        </p:txBody>
-      </p:sp>
     </p:spTree>
   </p:cSld>
   <p:clrMapOvr>
@@ -3255,9 +3280,70 @@
           <a:chExt cx="0" cy="0"/>
         </a:xfrm>
       </p:grpSpPr>
+      <p:sp>
+        <p:nvSpPr>
+          <p:cNvPr id="5" name="Rectangle 4"/>
+          <p:cNvSpPr/>
+          <p:nvPr/>
+        </p:nvSpPr>
+        <p:spPr>
+          <a:xfrm>
+            <a:off x="6084168" y="0"/>
+            <a:ext cx="3059832" cy="5109091"/>
+          </a:xfrm>
+          <a:prstGeom prst="rect">
+            <a:avLst/>
+          </a:prstGeom>
+        </p:spPr>
+        <p:txBody>
+          <a:bodyPr wrap="square">
+            <a:spAutoFit/>
+          </a:bodyPr>
+          <a:lstStyle/>
+          <a:p>
+            <a:r>
+              <a:rPr lang="en-NZ" sz="6000" b="1" dirty="0" smtClean="0"/>
+              <a:t>I.java</a:t>
+            </a:r>
+            <a:endParaRPr lang="en-NZ" sz="6000" b="1" dirty="0"/>
+          </a:p>
+          <a:p>
+            <a:r>
+              <a:rPr lang="en-NZ" sz="1400" dirty="0" smtClean="0"/>
+              <a:t>Each CAMERA folder containing “inv” in the title ends up with an I.java in it. The I.java contains ids for all of the subfolders of such a folder. In this case they are used to identify the inventory items, that the subfolders represent. </a:t>
+            </a:r>
+          </a:p>
+          <a:p>
+            <a:endParaRPr lang="en-NZ" sz="1400" dirty="0"/>
+          </a:p>
+          <a:p>
+            <a:r>
+              <a:rPr lang="en-NZ" sz="1400" dirty="0" smtClean="0"/>
+              <a:t>The Ids are a specially generated number that will generate unique products when multiplied with the </a:t>
+            </a:r>
+            <a:r>
+              <a:rPr lang="en-NZ" sz="1400" dirty="0" err="1" smtClean="0"/>
+              <a:t>objectIds</a:t>
+            </a:r>
+            <a:r>
+              <a:rPr lang="en-NZ" sz="1400" dirty="0" smtClean="0"/>
+              <a:t> in the I.java. This is then useful to handle object X inventory interactions.</a:t>
+            </a:r>
+          </a:p>
+          <a:p>
+            <a:endParaRPr lang="en-NZ" sz="1400" dirty="0"/>
+          </a:p>
+          <a:p>
+            <a:r>
+              <a:rPr lang="en-NZ" sz="1400" dirty="0" smtClean="0"/>
+              <a:t>Runtime methods of a2g API that consume these Ids will generate runtime errors unless the Loader.java file from the same folder has been loaded for the current scene.</a:t>
+            </a:r>
+          </a:p>
+        </p:txBody>
+      </p:sp>
       <p:pic>
         <p:nvPicPr>
-          <p:cNvPr id="9218" name="Picture 2"/>
+          <p:cNvPr id="4099" name="Picture 3"/>
           <p:cNvPicPr>
             <a:picLocks noChangeAspect="1" noChangeArrowheads="1"/>
           </p:cNvPicPr>
@@ -3287,84 +3373,6 @@
           </a:ln>
         </p:spPr>
       </p:pic>
-      <p:sp>
-        <p:nvSpPr>
-          <p:cNvPr id="5" name="Rectangle 4"/>
-          <p:cNvSpPr/>
-          <p:nvPr/>
-        </p:nvSpPr>
-        <p:spPr>
-          <a:xfrm>
-            <a:off x="6084168" y="0"/>
-            <a:ext cx="3059832" cy="5109091"/>
-          </a:xfrm>
-          <a:prstGeom prst="rect">
-            <a:avLst/>
-          </a:prstGeom>
-        </p:spPr>
-        <p:txBody>
-          <a:bodyPr wrap="square">
-            <a:spAutoFit/>
-          </a:bodyPr>
-          <a:lstStyle/>
-          <a:p>
-            <a:r>
-              <a:rPr lang="en-NZ" sz="6000" b="1" dirty="0" smtClean="0"/>
-              <a:t>I.java</a:t>
-            </a:r>
-            <a:endParaRPr lang="en-NZ" sz="6000" b="1" dirty="0"/>
-          </a:p>
-          <a:p>
-            <a:r>
-              <a:rPr lang="en-NZ" sz="1400" dirty="0" smtClean="0"/>
-              <a:t>Each </a:t>
-            </a:r>
-            <a:r>
-              <a:rPr lang="en-NZ" sz="1400" dirty="0" smtClean="0"/>
-              <a:t>CAMERA folder containing “inv” in the title </a:t>
-            </a:r>
-            <a:r>
-              <a:rPr lang="en-NZ" sz="1400" dirty="0" smtClean="0"/>
-              <a:t>ends up with an I.java in it. The I.java contains ids for all of the subfolders of such a folder. In this case they are used to identify the inventory items, that the subfolders represent. </a:t>
-            </a:r>
-          </a:p>
-          <a:p>
-            <a:endParaRPr lang="en-NZ" sz="1400" dirty="0"/>
-          </a:p>
-          <a:p>
-            <a:r>
-              <a:rPr lang="en-NZ" sz="1400" dirty="0" smtClean="0"/>
-              <a:t>The Ids are a specially generated number that will generate unique products when multiplied with the </a:t>
-            </a:r>
-            <a:r>
-              <a:rPr lang="en-NZ" sz="1400" dirty="0" err="1" smtClean="0"/>
-              <a:t>object</a:t>
-            </a:r>
-            <a:r>
-              <a:rPr lang="en-NZ" sz="1400" dirty="0" err="1" smtClean="0"/>
-              <a:t>Ids</a:t>
-            </a:r>
-            <a:r>
-              <a:rPr lang="en-NZ" sz="1400" dirty="0" smtClean="0"/>
-              <a:t> in the I.java. This is then useful to handle object X inventory interactions.</a:t>
-            </a:r>
-          </a:p>
-          <a:p>
-            <a:endParaRPr lang="en-NZ" sz="1400" dirty="0"/>
-          </a:p>
-          <a:p>
-            <a:r>
-              <a:rPr lang="en-NZ" sz="1400" dirty="0" smtClean="0"/>
-              <a:t>Runtime methods of a2g API that consume these </a:t>
-            </a:r>
-            <a:r>
-              <a:rPr lang="en-NZ" sz="1400" dirty="0" smtClean="0"/>
-              <a:t>Ids will generate runtime errors unless the Loader.java file from the same folder has been loaded for the current scene.</a:t>
-            </a:r>
-            <a:endParaRPr lang="en-NZ" sz="1400" dirty="0" smtClean="0"/>
-          </a:p>
-        </p:txBody>
-      </p:sp>
     </p:spTree>
   </p:cSld>
   <p:clrMapOvr>
@@ -3437,11 +3445,7 @@
             </a:r>
             <a:r>
               <a:rPr lang="en-NZ" sz="1400" dirty="0" err="1" smtClean="0"/>
-              <a:t>inventory</a:t>
-            </a:r>
-            <a:r>
-              <a:rPr lang="en-NZ" sz="1400" dirty="0" err="1" smtClean="0"/>
-              <a:t>Ids</a:t>
+              <a:t>inventoryIds</a:t>
             </a:r>
             <a:r>
               <a:rPr lang="en-NZ" sz="1400" dirty="0" smtClean="0"/>
@@ -3473,7 +3477,7 @@
       </p:sp>
       <p:pic>
         <p:nvPicPr>
-          <p:cNvPr id="8194" name="Picture 2"/>
+          <p:cNvPr id="3075" name="Picture 3"/>
           <p:cNvPicPr>
             <a:picLocks noChangeAspect="1" noChangeArrowheads="1"/>
           </p:cNvPicPr>
@@ -3528,9 +3532,73 @@
           <a:chExt cx="0" cy="0"/>
         </a:xfrm>
       </p:grpSpPr>
+      <p:sp>
+        <p:nvSpPr>
+          <p:cNvPr id="6" name="Rectangle 5"/>
+          <p:cNvSpPr/>
+          <p:nvPr/>
+        </p:nvSpPr>
+        <p:spPr>
+          <a:xfrm>
+            <a:off x="6084168" y="0"/>
+            <a:ext cx="3059832" cy="5109091"/>
+          </a:xfrm>
+          <a:prstGeom prst="rect">
+            <a:avLst/>
+          </a:prstGeom>
+        </p:spPr>
+        <p:txBody>
+          <a:bodyPr wrap="square">
+            <a:spAutoFit/>
+          </a:bodyPr>
+          <a:lstStyle/>
+          <a:p>
+            <a:r>
+              <a:rPr lang="en-NZ" sz="6000" b="1" dirty="0" smtClean="0"/>
+              <a:t>A.java</a:t>
+            </a:r>
+            <a:endParaRPr lang="en-NZ" sz="6000" b="1" dirty="0"/>
+          </a:p>
+          <a:p>
+            <a:r>
+              <a:rPr lang="en-NZ" sz="1400" dirty="0" smtClean="0"/>
+              <a:t>Each location ends up with an A.java file inside it. It is a list of ids for all of the ANIMATIONs for all of the OBJECTS.</a:t>
+            </a:r>
+          </a:p>
+          <a:p>
+            <a:endParaRPr lang="en-NZ" sz="1400" dirty="0"/>
+          </a:p>
+          <a:p>
+            <a:r>
+              <a:rPr lang="en-NZ" sz="1400" dirty="0" smtClean="0"/>
+              <a:t>The Ids are just a concatenation of the object name and the animation name. And since object names are unique within a CAMERA, and animation names are unique within an OBJECT, then the animation Id is unique.</a:t>
+            </a:r>
+          </a:p>
+          <a:p>
+            <a:endParaRPr lang="en-NZ" sz="1400" dirty="0"/>
+          </a:p>
+          <a:p>
+            <a:endParaRPr lang="en-NZ" sz="1400" dirty="0" smtClean="0"/>
+          </a:p>
+          <a:p>
+            <a:r>
+              <a:rPr lang="en-NZ" sz="1400" dirty="0" smtClean="0"/>
+              <a:t>The A.java is found in an additional folder called _00_ANIMATIONS that is created.  This serves no purpose other than to make the </a:t>
+            </a:r>
+            <a:r>
+              <a:rPr lang="en-NZ" sz="1400" dirty="0" err="1" smtClean="0"/>
+              <a:t>A.file</a:t>
+            </a:r>
+            <a:r>
+              <a:rPr lang="en-NZ" sz="1400" dirty="0" smtClean="0"/>
+              <a:t> easier to navigate to: instead of being a file that gets lost amongst the many other folders in the piranha folder, it.</a:t>
+            </a:r>
+          </a:p>
+        </p:txBody>
+      </p:sp>
       <p:pic>
         <p:nvPicPr>
-          <p:cNvPr id="7170" name="Picture 2"/>
+          <p:cNvPr id="2051" name="Picture 3"/>
           <p:cNvPicPr>
             <a:picLocks noChangeAspect="1" noChangeArrowheads="1"/>
           </p:cNvPicPr>
@@ -3560,71 +3628,6 @@
           </a:ln>
         </p:spPr>
       </p:pic>
-      <p:sp>
-        <p:nvSpPr>
-          <p:cNvPr id="6" name="Rectangle 5"/>
-          <p:cNvSpPr/>
-          <p:nvPr/>
-        </p:nvSpPr>
-        <p:spPr>
-          <a:xfrm>
-            <a:off x="6084168" y="0"/>
-            <a:ext cx="3059832" cy="5109091"/>
-          </a:xfrm>
-          <a:prstGeom prst="rect">
-            <a:avLst/>
-          </a:prstGeom>
-        </p:spPr>
-        <p:txBody>
-          <a:bodyPr wrap="square">
-            <a:spAutoFit/>
-          </a:bodyPr>
-          <a:lstStyle/>
-          <a:p>
-            <a:r>
-              <a:rPr lang="en-NZ" sz="6000" b="1" dirty="0" smtClean="0"/>
-              <a:t>A.java</a:t>
-            </a:r>
-            <a:endParaRPr lang="en-NZ" sz="6000" b="1" dirty="0"/>
-          </a:p>
-          <a:p>
-            <a:r>
-              <a:rPr lang="en-NZ" sz="1400" dirty="0" smtClean="0"/>
-              <a:t>Each location ends up with an A.java file inside it. It is a list of ids for all of the ANIMATIONs for all of the OBJECTS.</a:t>
-            </a:r>
-          </a:p>
-          <a:p>
-            <a:endParaRPr lang="en-NZ" sz="1400" dirty="0"/>
-          </a:p>
-          <a:p>
-            <a:r>
-              <a:rPr lang="en-NZ" sz="1400" dirty="0" smtClean="0"/>
-              <a:t>The Ids are just a concatenation of the object name and the animation name. And since object names are unique within a CAMERA, and animation names are unique within an OBJECT, then the animation Id is unique.</a:t>
-            </a:r>
-          </a:p>
-          <a:p>
-            <a:endParaRPr lang="en-NZ" sz="1400" dirty="0"/>
-          </a:p>
-          <a:p>
-            <a:endParaRPr lang="en-NZ" sz="1400" dirty="0" smtClean="0"/>
-          </a:p>
-          <a:p>
-            <a:r>
-              <a:rPr lang="en-NZ" sz="1400" dirty="0" smtClean="0"/>
-              <a:t>The A.java is found in an additional folder called _00_ANIMATIONS that is created.  This serves no purpose other than to make the </a:t>
-            </a:r>
-            <a:r>
-              <a:rPr lang="en-NZ" sz="1400" dirty="0" err="1" smtClean="0"/>
-              <a:t>A.file</a:t>
-            </a:r>
-            <a:r>
-              <a:rPr lang="en-NZ" sz="1400" dirty="0" smtClean="0"/>
-              <a:t> easier to navigate to: instead of being a file that gets lost amongst the many other folders in the piranha folder, it.</a:t>
-            </a:r>
-            <a:endParaRPr lang="en-NZ" sz="1400" dirty="0" smtClean="0"/>
-          </a:p>
-        </p:txBody>
-      </p:sp>
     </p:spTree>
   </p:cSld>
   <p:clrMapOvr>
@@ -3633,111 +3636,7 @@
 </p:sld>
 </file>
 
-<file path=ppt/slides/slide2.xml><?xml version="1.0" encoding="utf-8"?>
-<p:sld xmlns:a="http://schemas.openxmlformats.org/drawingml/2006/main" xmlns:r="http://schemas.openxmlformats.org/officeDocument/2006/relationships" xmlns:p="http://schemas.openxmlformats.org/presentationml/2006/main">
-  <p:cSld>
-    <p:spTree>
-      <p:nvGrpSpPr>
-        <p:cNvPr id="1" name=""/>
-        <p:cNvGrpSpPr/>
-        <p:nvPr/>
-      </p:nvGrpSpPr>
-      <p:grpSpPr>
-        <a:xfrm>
-          <a:off x="0" y="0"/>
-          <a:ext cx="0" cy="0"/>
-          <a:chOff x="0" y="0"/>
-          <a:chExt cx="0" cy="0"/>
-        </a:xfrm>
-      </p:grpSpPr>
-      <p:sp>
-        <p:nvSpPr>
-          <p:cNvPr id="2" name="Title 1"/>
-          <p:cNvSpPr>
-            <a:spLocks noGrp="1"/>
-          </p:cNvSpPr>
-          <p:nvPr>
-            <p:ph type="title"/>
-          </p:nvPr>
-        </p:nvSpPr>
-        <p:spPr/>
-        <p:txBody>
-          <a:bodyPr>
-            <a:noAutofit/>
-          </a:bodyPr>
-          <a:lstStyle/>
-          <a:p>
-            <a:r>
-              <a:rPr lang="en-NZ" sz="9600" b="1" dirty="0" err="1" smtClean="0"/>
-              <a:t>sourceimages</a:t>
-            </a:r>
-            <a:endParaRPr lang="en-NZ" sz="9600" b="1" dirty="0"/>
-          </a:p>
-        </p:txBody>
-      </p:sp>
-      <p:sp>
-        <p:nvSpPr>
-          <p:cNvPr id="3" name="Content Placeholder 2"/>
-          <p:cNvSpPr>
-            <a:spLocks noGrp="1"/>
-          </p:cNvSpPr>
-          <p:nvPr>
-            <p:ph idx="1"/>
-          </p:nvPr>
-        </p:nvSpPr>
-        <p:spPr/>
-        <p:txBody>
-          <a:bodyPr/>
-          <a:lstStyle/>
-          <a:p>
-            <a:r>
-              <a:rPr lang="en-NZ" dirty="0" smtClean="0"/>
-              <a:t>The game is made from images.</a:t>
-            </a:r>
-          </a:p>
-          <a:p>
-            <a:r>
-              <a:rPr lang="en-NZ" dirty="0" smtClean="0"/>
-              <a:t>But the images are never checked in.</a:t>
-            </a:r>
-          </a:p>
-          <a:p>
-            <a:r>
-              <a:rPr lang="en-NZ" dirty="0" smtClean="0"/>
-              <a:t>Instead, they are rendered from the 3D file, in to a folder structure of pure PNGs</a:t>
-            </a:r>
-          </a:p>
-          <a:p>
-            <a:r>
-              <a:rPr lang="en-NZ" dirty="0" smtClean="0"/>
-              <a:t>Then this structure is processed with generator.exe</a:t>
-            </a:r>
-          </a:p>
-          <a:p>
-            <a:r>
-              <a:rPr lang="en-NZ" dirty="0" smtClean="0"/>
-              <a:t>The input to generator is a folder called “</a:t>
-            </a:r>
-            <a:r>
-              <a:rPr lang="en-NZ" dirty="0" err="1" smtClean="0"/>
-              <a:t>sourceimages</a:t>
-            </a:r>
-            <a:r>
-              <a:rPr lang="en-NZ" dirty="0" smtClean="0"/>
-              <a:t>”</a:t>
-            </a:r>
-          </a:p>
-        </p:txBody>
-      </p:sp>
-    </p:spTree>
-  </p:cSld>
-  <p:clrMapOvr>
-    <a:masterClrMapping/>
-  </p:clrMapOvr>
-</p:sld>
-</file>
-
-<file path=ppt/slides/slide3.xml><?xml version="1.0" encoding="utf-8"?>
+<file path=ppt/slides/slide14.xml><?xml version="1.0" encoding="utf-8"?>
 <p:sld xmlns:a="http://schemas.openxmlformats.org/drawingml/2006/main" xmlns:r="http://schemas.openxmlformats.org/officeDocument/2006/relationships" xmlns:p="http://schemas.openxmlformats.org/presentationml/2006/main">
   <p:cSld>
     <p:spTree>
@@ -3756,240 +3655,7 @@
       </p:grpSpPr>
       <p:pic>
         <p:nvPicPr>
-          <p:cNvPr id="2053" name="Picture 5"/>
-          <p:cNvPicPr>
-            <a:picLocks noChangeAspect="1" noChangeArrowheads="1"/>
-          </p:cNvPicPr>
-          <p:nvPr/>
-        </p:nvPicPr>
-        <p:blipFill>
-          <a:blip r:embed="rId2" cstate="print"/>
-          <a:srcRect/>
-          <a:stretch>
-            <a:fillRect/>
-          </a:stretch>
-        </p:blipFill>
-        <p:spPr bwMode="auto">
-          <a:xfrm>
-            <a:off x="0" y="0"/>
-            <a:ext cx="6115050" cy="7258050"/>
-          </a:xfrm>
-          <a:prstGeom prst="rect">
-            <a:avLst/>
-          </a:prstGeom>
-          <a:noFill/>
-          <a:ln w="9525">
-            <a:noFill/>
-            <a:miter lim="800000"/>
-            <a:headEnd/>
-            <a:tailEnd/>
-          </a:ln>
-        </p:spPr>
-      </p:pic>
-      <p:sp>
-        <p:nvSpPr>
-          <p:cNvPr id="15" name="TextBox 14"/>
-          <p:cNvSpPr txBox="1"/>
-          <p:nvPr/>
-        </p:nvSpPr>
-        <p:spPr>
-          <a:xfrm>
-            <a:off x="6084168" y="0"/>
-            <a:ext cx="3059832" cy="4493538"/>
-          </a:xfrm>
-          <a:prstGeom prst="rect">
-            <a:avLst/>
-          </a:prstGeom>
-          <a:noFill/>
-        </p:spPr>
-        <p:txBody>
-          <a:bodyPr wrap="square" rtlCol="0">
-            <a:spAutoFit/>
-          </a:bodyPr>
-          <a:lstStyle/>
-          <a:p>
-            <a:r>
-              <a:rPr lang="en-NZ" sz="4800" b="1" dirty="0" smtClean="0"/>
-              <a:t>LOCATIONS</a:t>
-            </a:r>
-            <a:endParaRPr lang="en-NZ" sz="4800" b="1" dirty="0"/>
-          </a:p>
-          <a:p>
-            <a:r>
-              <a:rPr lang="en-NZ" sz="1400" dirty="0"/>
-              <a:t>T</a:t>
-            </a:r>
-            <a:r>
-              <a:rPr lang="en-NZ" sz="1400" dirty="0" smtClean="0"/>
-              <a:t>he subfolders of the “</a:t>
-            </a:r>
-            <a:r>
-              <a:rPr lang="en-NZ" sz="1400" dirty="0" err="1" smtClean="0"/>
-              <a:t>sourceimages</a:t>
-            </a:r>
-            <a:r>
-              <a:rPr lang="en-NZ" sz="1400" dirty="0" smtClean="0"/>
-              <a:t>” folder are called LOCATIONs. </a:t>
-            </a:r>
-          </a:p>
-          <a:p>
-            <a:endParaRPr lang="en-NZ" sz="1400" dirty="0"/>
-          </a:p>
-          <a:p>
-            <a:r>
-              <a:rPr lang="en-NZ" sz="1400" dirty="0" smtClean="0"/>
-              <a:t>These do nothing other than make it easier for if your game is too big.</a:t>
-            </a:r>
-          </a:p>
-          <a:p>
-            <a:endParaRPr lang="en-NZ" sz="1400" dirty="0"/>
-          </a:p>
-          <a:p>
-            <a:r>
-              <a:rPr lang="en-NZ" sz="1400" dirty="0" smtClean="0"/>
-              <a:t>Most of the time, games can exist in a single LOCATION, but if a game gets too big and generator.exe takes ages, then a games scenes can be split in to separate locations and generator command line can point to the location folder, instead of “</a:t>
-            </a:r>
-            <a:r>
-              <a:rPr lang="en-NZ" sz="1400" dirty="0" err="1" smtClean="0"/>
-              <a:t>sourceimages</a:t>
-            </a:r>
-            <a:r>
-              <a:rPr lang="en-NZ" sz="1400" dirty="0" smtClean="0"/>
-              <a:t>”</a:t>
-            </a:r>
-          </a:p>
-          <a:p>
-            <a:endParaRPr lang="en-NZ" sz="1400" dirty="0" smtClean="0"/>
-          </a:p>
-          <a:p>
-            <a:r>
-              <a:rPr lang="en-NZ" sz="1400" dirty="0" smtClean="0"/>
-              <a:t>Note: generator.exe can only be run on “</a:t>
-            </a:r>
-            <a:r>
-              <a:rPr lang="en-NZ" sz="1400" dirty="0" err="1" smtClean="0"/>
-              <a:t>sourceimages</a:t>
-            </a:r>
-            <a:r>
-              <a:rPr lang="en-NZ" sz="1400" dirty="0" smtClean="0"/>
-              <a:t>”, or an immediate subfolder thereof.</a:t>
-            </a:r>
-            <a:endParaRPr lang="en-NZ" sz="1400" dirty="0" smtClean="0"/>
-          </a:p>
-        </p:txBody>
-      </p:sp>
-      <p:sp>
-        <p:nvSpPr>
-          <p:cNvPr id="12" name="TextBox 11"/>
-          <p:cNvSpPr txBox="1"/>
-          <p:nvPr/>
-        </p:nvSpPr>
-        <p:spPr>
-          <a:xfrm>
-            <a:off x="1835696" y="908720"/>
-            <a:ext cx="1583895" cy="307777"/>
-          </a:xfrm>
-          <a:prstGeom prst="rect">
-            <a:avLst/>
-          </a:prstGeom>
-          <a:noFill/>
-        </p:spPr>
-        <p:txBody>
-          <a:bodyPr wrap="none" rtlCol="0">
-            <a:spAutoFit/>
-          </a:bodyPr>
-          <a:lstStyle/>
-          <a:p>
-            <a:r>
-              <a:rPr lang="en-NZ" sz="1400" dirty="0" smtClean="0">
-                <a:sym typeface="Wingdings" pitchFamily="2" charset="2"/>
-              </a:rPr>
-              <a:t>  “</a:t>
-            </a:r>
-            <a:r>
-              <a:rPr lang="en-NZ" sz="1400" dirty="0" err="1" smtClean="0"/>
-              <a:t>sourceimages</a:t>
-            </a:r>
-            <a:r>
-              <a:rPr lang="en-NZ" sz="1400" dirty="0" smtClean="0"/>
-              <a:t>”</a:t>
-            </a:r>
-            <a:endParaRPr lang="en-NZ" sz="1400" dirty="0"/>
-          </a:p>
-        </p:txBody>
-      </p:sp>
-      <p:sp>
-        <p:nvSpPr>
-          <p:cNvPr id="13" name="TextBox 12"/>
-          <p:cNvSpPr txBox="1"/>
-          <p:nvPr/>
-        </p:nvSpPr>
-        <p:spPr>
-          <a:xfrm>
-            <a:off x="3131840" y="2420888"/>
-            <a:ext cx="2520280" cy="954107"/>
-          </a:xfrm>
-          <a:prstGeom prst="rect">
-            <a:avLst/>
-          </a:prstGeom>
-          <a:noFill/>
-        </p:spPr>
-        <p:txBody>
-          <a:bodyPr wrap="square" rtlCol="0">
-            <a:spAutoFit/>
-          </a:bodyPr>
-          <a:lstStyle/>
-          <a:p>
-            <a:r>
-              <a:rPr lang="en-NZ" sz="1400" dirty="0" smtClean="0">
-                <a:sym typeface="Wingdings" pitchFamily="2" charset="2"/>
-              </a:rPr>
-              <a:t>  “bird”, “canoe”, “dog”, “elephant”, “inventories”, “</a:t>
-            </a:r>
-            <a:r>
-              <a:rPr lang="en-NZ" sz="1400" dirty="0" err="1" smtClean="0">
-                <a:sym typeface="Wingdings" pitchFamily="2" charset="2"/>
-              </a:rPr>
-              <a:t>ladel</a:t>
-            </a:r>
-            <a:r>
-              <a:rPr lang="en-NZ" sz="1400" dirty="0" smtClean="0">
-                <a:sym typeface="Wingdings" pitchFamily="2" charset="2"/>
-              </a:rPr>
-              <a:t>”, “mission”, “piranha”, etc are called LOCATIONs</a:t>
-            </a:r>
-            <a:endParaRPr lang="en-NZ" sz="1400" dirty="0"/>
-          </a:p>
-        </p:txBody>
-      </p:sp>
-    </p:spTree>
-  </p:cSld>
-  <p:clrMapOvr>
-    <a:masterClrMapping/>
-  </p:clrMapOvr>
-</p:sld>
-</file>
-
-<file path=ppt/slides/slide4.xml><?xml version="1.0" encoding="utf-8"?>
-<p:sld xmlns:a="http://schemas.openxmlformats.org/drawingml/2006/main" xmlns:r="http://schemas.openxmlformats.org/officeDocument/2006/relationships" xmlns:p="http://schemas.openxmlformats.org/presentationml/2006/main">
-  <p:cSld>
-    <p:spTree>
-      <p:nvGrpSpPr>
-        <p:cNvPr id="1" name=""/>
-        <p:cNvGrpSpPr/>
-        <p:nvPr/>
-      </p:nvGrpSpPr>
-      <p:grpSpPr>
-        <a:xfrm>
-          <a:off x="0" y="0"/>
-          <a:ext cx="0" cy="0"/>
-          <a:chOff x="0" y="0"/>
-          <a:chExt cx="0" cy="0"/>
-        </a:xfrm>
-      </p:grpSpPr>
-      <p:pic>
-        <p:nvPicPr>
-          <p:cNvPr id="3078" name="Picture 6"/>
+          <p:cNvPr id="1027" name="Picture 3"/>
           <p:cNvPicPr>
             <a:picLocks noChangeAspect="1" noChangeArrowheads="1"/>
           </p:cNvPicPr>
@@ -4028,7 +3694,7 @@
         <p:spPr>
           <a:xfrm>
             <a:off x="6084168" y="0"/>
-            <a:ext cx="3059832" cy="6309420"/>
+            <a:ext cx="3059832" cy="2954655"/>
           </a:xfrm>
           <a:prstGeom prst="rect">
             <a:avLst/>
@@ -4041,14 +3707,15 @@
           <a:lstStyle/>
           <a:p>
             <a:r>
-              <a:rPr lang="en-NZ" sz="5400" b="1" dirty="0" smtClean="0"/>
-              <a:t>CAMERAS</a:t>
-            </a:r>
+              <a:rPr lang="en-NZ" sz="6000" b="1" dirty="0" smtClean="0"/>
+              <a:t>PNG files</a:t>
+            </a:r>
+            <a:endParaRPr lang="en-NZ" sz="6000" b="1" dirty="0"/>
           </a:p>
           <a:p>
             <a:r>
               <a:rPr lang="en-NZ" sz="1400" dirty="0" smtClean="0"/>
-              <a:t>The subfolders of a location are called its CAMERAs.</a:t>
+              <a:t>The generator.exe also modifies the PNG files.</a:t>
             </a:r>
           </a:p>
           <a:p>
@@ -4057,47 +3724,20 @@
           <a:p>
             <a:r>
               <a:rPr lang="en-NZ" sz="1400" dirty="0" smtClean="0"/>
-              <a:t>For every folder , OnlyLoader.java file is created</a:t>
-            </a:r>
-          </a:p>
-          <a:p>
-            <a:endParaRPr lang="en-NZ" sz="1400" dirty="0" smtClean="0"/>
-          </a:p>
-          <a:p>
-            <a:r>
-              <a:rPr lang="en-NZ" sz="1400" dirty="0" smtClean="0"/>
-              <a:t>In addition to these:</a:t>
-            </a:r>
-          </a:p>
-          <a:p>
-            <a:r>
-              <a:rPr lang="en-NZ" sz="1400" dirty="0" smtClean="0"/>
-              <a:t>If a camera has “Inv” in its name, then it is treated as an inventory file, and an I.java file is created. These are used in game code to identify inventory items.</a:t>
-            </a:r>
-          </a:p>
-          <a:p>
-            <a:endParaRPr lang="en-NZ" sz="1400" dirty="0" smtClean="0"/>
-          </a:p>
-          <a:p>
-            <a:endParaRPr lang="en-NZ" sz="1400" dirty="0"/>
-          </a:p>
-          <a:p>
-            <a:r>
-              <a:rPr lang="en-NZ" sz="1400" dirty="0" smtClean="0"/>
-              <a:t>If </a:t>
-            </a:r>
-            <a:r>
-              <a:rPr lang="en-NZ" sz="1400" dirty="0" smtClean="0"/>
-              <a:t> a camera has “shared” in its name, then </a:t>
-            </a:r>
-            <a:r>
-              <a:rPr lang="en-NZ" sz="1400" dirty="0" smtClean="0"/>
-              <a:t>no </a:t>
+              <a:t>Notice how the files from the </a:t>
+            </a:r>
+            <a:r>
+              <a:rPr lang="en-NZ" sz="1400" dirty="0" err="1" smtClean="0"/>
+              <a:t>sourceimages</a:t>
             </a:r>
             <a:r>
               <a:rPr lang="en-NZ" sz="1400" dirty="0" smtClean="0"/>
               <a:t> </a:t>
             </a:r>
+            <a:r>
+              <a:rPr lang="en-NZ" sz="1400" dirty="0" smtClean="0"/>
+              <a:t>are now cropped to their most compact representation?</a:t>
+            </a:r>
           </a:p>
           <a:p>
             <a:endParaRPr lang="en-NZ" sz="1400" dirty="0" smtClean="0"/>
@@ -4105,64 +3745,9 @@
           <a:p>
             <a:r>
               <a:rPr lang="en-NZ" sz="1400" dirty="0" smtClean="0"/>
-              <a:t>Note: Cameras are called cameras because each is the output from a single camera in a 3D package. Sometimes the cameras are from the same 3D scene file, sometimes they aren’t.</a:t>
-            </a:r>
-          </a:p>
-          <a:p>
-            <a:endParaRPr lang="en-NZ" sz="1400" dirty="0"/>
-          </a:p>
-          <a:p>
+              <a:t>This saves bandwidth and memory at runtime.</a:t>
+            </a:r>
             <a:endParaRPr lang="en-NZ" sz="1400" dirty="0" smtClean="0"/>
-          </a:p>
-          <a:p>
-            <a:pPr marL="800100" lvl="1" indent="-342900">
-              <a:buAutoNum type="arabicPeriod"/>
-            </a:pPr>
-            <a:endParaRPr lang="en-NZ" sz="1400" dirty="0" smtClean="0"/>
-          </a:p>
-        </p:txBody>
-      </p:sp>
-      <p:sp>
-        <p:nvSpPr>
-          <p:cNvPr id="10" name="TextBox 9"/>
-          <p:cNvSpPr txBox="1"/>
-          <p:nvPr/>
-        </p:nvSpPr>
-        <p:spPr>
-          <a:xfrm>
-            <a:off x="2483768" y="2636912"/>
-            <a:ext cx="3024336" cy="523220"/>
-          </a:xfrm>
-          <a:prstGeom prst="rect">
-            <a:avLst/>
-          </a:prstGeom>
-          <a:noFill/>
-        </p:spPr>
-        <p:txBody>
-          <a:bodyPr wrap="square" rtlCol="0">
-            <a:spAutoFit/>
-          </a:bodyPr>
-          <a:lstStyle/>
-          <a:p>
-            <a:r>
-              <a:rPr lang="en-NZ" sz="1400" dirty="0" smtClean="0">
-                <a:sym typeface="Wingdings" pitchFamily="2" charset="2"/>
-              </a:rPr>
-              <a:t>  “Piranha” “</a:t>
-            </a:r>
-            <a:r>
-              <a:rPr lang="en-NZ" sz="1400" dirty="0" err="1" smtClean="0">
-                <a:sym typeface="Wingdings" pitchFamily="2" charset="2"/>
-              </a:rPr>
-              <a:t>PiranhaWalkShared</a:t>
-            </a:r>
-            <a:r>
-              <a:rPr lang="en-NZ" sz="1400" dirty="0" smtClean="0">
-                <a:sym typeface="Wingdings" pitchFamily="2" charset="2"/>
-              </a:rPr>
-              <a:t>” are both CAMERA folders</a:t>
-            </a:r>
-            <a:endParaRPr lang="en-NZ" sz="1400" dirty="0"/>
           </a:p>
         </p:txBody>
       </p:sp>
@@ -4174,7 +3759,111 @@
 </p:sld>
 </file>
 
-<file path=ppt/slides/slide5.xml><?xml version="1.0" encoding="utf-8"?>
+<file path=ppt/slides/slide2.xml><?xml version="1.0" encoding="utf-8"?>
+<p:sld xmlns:a="http://schemas.openxmlformats.org/drawingml/2006/main" xmlns:r="http://schemas.openxmlformats.org/officeDocument/2006/relationships" xmlns:p="http://schemas.openxmlformats.org/presentationml/2006/main">
+  <p:cSld>
+    <p:spTree>
+      <p:nvGrpSpPr>
+        <p:cNvPr id="1" name=""/>
+        <p:cNvGrpSpPr/>
+        <p:nvPr/>
+      </p:nvGrpSpPr>
+      <p:grpSpPr>
+        <a:xfrm>
+          <a:off x="0" y="0"/>
+          <a:ext cx="0" cy="0"/>
+          <a:chOff x="0" y="0"/>
+          <a:chExt cx="0" cy="0"/>
+        </a:xfrm>
+      </p:grpSpPr>
+      <p:sp>
+        <p:nvSpPr>
+          <p:cNvPr id="2" name="Title 1"/>
+          <p:cNvSpPr>
+            <a:spLocks noGrp="1"/>
+          </p:cNvSpPr>
+          <p:nvPr>
+            <p:ph type="title"/>
+          </p:nvPr>
+        </p:nvSpPr>
+        <p:spPr/>
+        <p:txBody>
+          <a:bodyPr>
+            <a:noAutofit/>
+          </a:bodyPr>
+          <a:lstStyle/>
+          <a:p>
+            <a:r>
+              <a:rPr lang="en-NZ" sz="9600" b="1" dirty="0" err="1" smtClean="0"/>
+              <a:t>sourceimages</a:t>
+            </a:r>
+            <a:endParaRPr lang="en-NZ" sz="9600" b="1" dirty="0"/>
+          </a:p>
+        </p:txBody>
+      </p:sp>
+      <p:sp>
+        <p:nvSpPr>
+          <p:cNvPr id="3" name="Content Placeholder 2"/>
+          <p:cNvSpPr>
+            <a:spLocks noGrp="1"/>
+          </p:cNvSpPr>
+          <p:nvPr>
+            <p:ph idx="1"/>
+          </p:nvPr>
+        </p:nvSpPr>
+        <p:spPr/>
+        <p:txBody>
+          <a:bodyPr/>
+          <a:lstStyle/>
+          <a:p>
+            <a:r>
+              <a:rPr lang="en-NZ" dirty="0" smtClean="0"/>
+              <a:t>The game is made from images.</a:t>
+            </a:r>
+          </a:p>
+          <a:p>
+            <a:r>
+              <a:rPr lang="en-NZ" dirty="0" smtClean="0"/>
+              <a:t>But the images are never checked in.</a:t>
+            </a:r>
+          </a:p>
+          <a:p>
+            <a:r>
+              <a:rPr lang="en-NZ" dirty="0" smtClean="0"/>
+              <a:t>Instead, they are rendered from the 3D file, in to a folder structure of pure PNGs</a:t>
+            </a:r>
+          </a:p>
+          <a:p>
+            <a:r>
+              <a:rPr lang="en-NZ" dirty="0" smtClean="0"/>
+              <a:t>Then this structure is processed with generator.exe</a:t>
+            </a:r>
+          </a:p>
+          <a:p>
+            <a:r>
+              <a:rPr lang="en-NZ" dirty="0" smtClean="0"/>
+              <a:t>The input to generator is a folder called “</a:t>
+            </a:r>
+            <a:r>
+              <a:rPr lang="en-NZ" dirty="0" err="1" smtClean="0"/>
+              <a:t>sourceimages</a:t>
+            </a:r>
+            <a:r>
+              <a:rPr lang="en-NZ" dirty="0" smtClean="0"/>
+              <a:t>”</a:t>
+            </a:r>
+          </a:p>
+        </p:txBody>
+      </p:sp>
+    </p:spTree>
+  </p:cSld>
+  <p:clrMapOvr>
+    <a:masterClrMapping/>
+  </p:clrMapOvr>
+</p:sld>
+</file>
+
+<file path=ppt/slides/slide3.xml><?xml version="1.0" encoding="utf-8"?>
 <p:sld xmlns:a="http://schemas.openxmlformats.org/drawingml/2006/main" xmlns:r="http://schemas.openxmlformats.org/officeDocument/2006/relationships" xmlns:p="http://schemas.openxmlformats.org/presentationml/2006/main">
   <p:cSld>
     <p:spTree>
@@ -4193,7 +3882,7 @@
       </p:grpSpPr>
       <p:pic>
         <p:nvPicPr>
-          <p:cNvPr id="4098" name="Picture 2"/>
+          <p:cNvPr id="11266" name="Picture 2"/>
           <p:cNvPicPr>
             <a:picLocks noChangeAspect="1" noChangeArrowheads="1"/>
           </p:cNvPicPr>
@@ -4225,97 +3914,14 @@
       </p:pic>
       <p:sp>
         <p:nvSpPr>
-          <p:cNvPr id="5" name="Rectangle 4"/>
-          <p:cNvSpPr/>
+          <p:cNvPr id="15" name="TextBox 14"/>
+          <p:cNvSpPr txBox="1"/>
           <p:nvPr/>
         </p:nvSpPr>
         <p:spPr>
           <a:xfrm>
             <a:off x="6084168" y="0"/>
-            <a:ext cx="3059832" cy="4462760"/>
-          </a:xfrm>
-          <a:prstGeom prst="rect">
-            <a:avLst/>
-          </a:prstGeom>
-        </p:spPr>
-        <p:txBody>
-          <a:bodyPr wrap="square">
-            <a:spAutoFit/>
-          </a:bodyPr>
-          <a:lstStyle/>
-          <a:p>
-            <a:r>
-              <a:rPr lang="en-NZ" sz="6000" b="1" dirty="0" smtClean="0"/>
-              <a:t>OBJECTS</a:t>
-            </a:r>
-          </a:p>
-          <a:p>
-            <a:r>
-              <a:rPr lang="en-NZ" sz="1400" dirty="0"/>
-              <a:t>T</a:t>
-            </a:r>
-            <a:r>
-              <a:rPr lang="en-NZ" sz="1400" dirty="0" smtClean="0"/>
-              <a:t>he subfolders of a camera are called its OBJECTs.</a:t>
-            </a:r>
-          </a:p>
-          <a:p>
-            <a:endParaRPr lang="en-NZ" sz="1400" dirty="0" smtClean="0"/>
-          </a:p>
-          <a:p>
-            <a:r>
-              <a:rPr lang="en-NZ" sz="1400" dirty="0" smtClean="0"/>
-              <a:t>Object’s can be thought of as </a:t>
-            </a:r>
-            <a:r>
-              <a:rPr lang="en-NZ" sz="1400" dirty="0" err="1" smtClean="0"/>
-              <a:t>analgous</a:t>
-            </a:r>
-            <a:r>
-              <a:rPr lang="en-NZ" sz="1400" dirty="0" smtClean="0"/>
-              <a:t> to layers. The scene is rendered by layering each layer on top of each other, starting alphanumerically.</a:t>
-            </a:r>
-          </a:p>
-          <a:p>
-            <a:endParaRPr lang="en-NZ" sz="1400" dirty="0"/>
-          </a:p>
-          <a:p>
-            <a:r>
-              <a:rPr lang="en-NZ" sz="1400" dirty="0" smtClean="0"/>
-              <a:t>It makes sense to use number prefixes.</a:t>
-            </a:r>
-          </a:p>
-          <a:p>
-            <a:endParaRPr lang="en-NZ" sz="1400" dirty="0"/>
-          </a:p>
-          <a:p>
-            <a:r>
-              <a:rPr lang="en-NZ" sz="1400" dirty="0" smtClean="0"/>
-              <a:t>The underscore preceding the number doesn’t make much sense yet... Let’s just says its needed if this folder structure is to be used in GWT.</a:t>
-            </a:r>
-            <a:endParaRPr lang="en-NZ" sz="1400" dirty="0"/>
-          </a:p>
-          <a:p>
-            <a:endParaRPr lang="en-NZ" sz="1400" dirty="0" smtClean="0"/>
-          </a:p>
-          <a:p>
-            <a:pPr marL="800100" lvl="1" indent="-342900">
-              <a:buAutoNum type="arabicPeriod"/>
-            </a:pPr>
-            <a:endParaRPr lang="en-NZ" sz="1400" dirty="0" smtClean="0"/>
-          </a:p>
-        </p:txBody>
-      </p:sp>
-      <p:sp>
-        <p:nvSpPr>
-          <p:cNvPr id="6" name="TextBox 5"/>
-          <p:cNvSpPr txBox="1"/>
-          <p:nvPr/>
-        </p:nvSpPr>
-        <p:spPr>
-          <a:xfrm>
-            <a:off x="2267744" y="3933056"/>
-            <a:ext cx="3024336" cy="523220"/>
+            <a:ext cx="3059832" cy="4493538"/>
           </a:xfrm>
           <a:prstGeom prst="rect">
             <a:avLst/>
@@ -4329,10 +3935,153 @@
           <a:lstStyle/>
           <a:p>
             <a:r>
+              <a:rPr lang="en-NZ" sz="4800" b="1" dirty="0" smtClean="0"/>
+              <a:t>LOCATIONS</a:t>
+            </a:r>
+            <a:endParaRPr lang="en-NZ" sz="4800" b="1" dirty="0"/>
+          </a:p>
+          <a:p>
+            <a:r>
+              <a:rPr lang="en-NZ" sz="1400" dirty="0"/>
+              <a:t>T</a:t>
+            </a:r>
+            <a:r>
+              <a:rPr lang="en-NZ" sz="1400" dirty="0" smtClean="0"/>
+              <a:t>he subfolders of the “</a:t>
+            </a:r>
+            <a:r>
+              <a:rPr lang="en-NZ" sz="1400" dirty="0" err="1" smtClean="0"/>
+              <a:t>sourceimages</a:t>
+            </a:r>
+            <a:r>
+              <a:rPr lang="en-NZ" sz="1400" dirty="0" smtClean="0"/>
+              <a:t>” folder are called LOCATIONs. </a:t>
+            </a:r>
+          </a:p>
+          <a:p>
+            <a:endParaRPr lang="en-NZ" sz="1400" dirty="0"/>
+          </a:p>
+          <a:p>
+            <a:r>
+              <a:rPr lang="en-NZ" sz="1400" dirty="0" smtClean="0"/>
+              <a:t>These do nothing other than make it easier for if your game is too big.</a:t>
+            </a:r>
+          </a:p>
+          <a:p>
+            <a:endParaRPr lang="en-NZ" sz="1400" dirty="0"/>
+          </a:p>
+          <a:p>
+            <a:r>
+              <a:rPr lang="en-NZ" sz="1400" dirty="0" smtClean="0"/>
+              <a:t>Most of the time, games can exist in a single LOCATION, but if a game gets too big and generator.exe takes ages, then a games scenes can be split in to separate locations and generator command line can point to the location folder, instead of “</a:t>
+            </a:r>
+            <a:r>
+              <a:rPr lang="en-NZ" sz="1400" dirty="0" err="1" smtClean="0"/>
+              <a:t>sourceimages</a:t>
+            </a:r>
+            <a:r>
+              <a:rPr lang="en-NZ" sz="1400" dirty="0" smtClean="0"/>
+              <a:t>”</a:t>
+            </a:r>
+          </a:p>
+          <a:p>
+            <a:endParaRPr lang="en-NZ" sz="1400" dirty="0" smtClean="0"/>
+          </a:p>
+          <a:p>
+            <a:r>
+              <a:rPr lang="en-NZ" sz="1400" dirty="0" smtClean="0"/>
+              <a:t>Note: generator.exe can only be run on “</a:t>
+            </a:r>
+            <a:r>
+              <a:rPr lang="en-NZ" sz="1400" dirty="0" err="1" smtClean="0"/>
+              <a:t>sourceimages</a:t>
+            </a:r>
+            <a:r>
+              <a:rPr lang="en-NZ" sz="1400" dirty="0" smtClean="0"/>
+              <a:t>”, or an immediate subfolder thereof.</a:t>
+            </a:r>
+          </a:p>
+        </p:txBody>
+      </p:sp>
+      <p:sp>
+        <p:nvSpPr>
+          <p:cNvPr id="12" name="TextBox 11"/>
+          <p:cNvSpPr txBox="1"/>
+          <p:nvPr/>
+        </p:nvSpPr>
+        <p:spPr>
+          <a:xfrm>
+            <a:off x="1835696" y="836712"/>
+            <a:ext cx="1583895" cy="307777"/>
+          </a:xfrm>
+          <a:prstGeom prst="rect">
+            <a:avLst/>
+          </a:prstGeom>
+          <a:noFill/>
+        </p:spPr>
+        <p:txBody>
+          <a:bodyPr wrap="square" rtlCol="0">
+            <a:spAutoFit/>
+          </a:bodyPr>
+          <a:lstStyle/>
+          <a:p>
+            <a:r>
               <a:rPr lang="en-NZ" sz="1400" dirty="0" smtClean="0">
                 <a:sym typeface="Wingdings" pitchFamily="2" charset="2"/>
               </a:rPr>
-              <a:t>  All these folders with number prefixes are called OBJECTs</a:t>
+              <a:t>  “</a:t>
+            </a:r>
+            <a:r>
+              <a:rPr lang="en-NZ" sz="1400" dirty="0" err="1" smtClean="0"/>
+              <a:t>sourceimages</a:t>
+            </a:r>
+            <a:r>
+              <a:rPr lang="en-NZ" sz="1400" dirty="0" smtClean="0"/>
+              <a:t>”</a:t>
+            </a:r>
+            <a:endParaRPr lang="en-NZ" sz="1400" dirty="0"/>
+          </a:p>
+        </p:txBody>
+      </p:sp>
+      <p:sp>
+        <p:nvSpPr>
+          <p:cNvPr id="13" name="TextBox 12"/>
+          <p:cNvSpPr txBox="1"/>
+          <p:nvPr/>
+        </p:nvSpPr>
+        <p:spPr>
+          <a:xfrm>
+            <a:off x="1763688" y="1340768"/>
+            <a:ext cx="1296144" cy="2031325"/>
+          </a:xfrm>
+          <a:prstGeom prst="rect">
+            <a:avLst/>
+          </a:prstGeom>
+          <a:noFill/>
+        </p:spPr>
+        <p:txBody>
+          <a:bodyPr wrap="square" rtlCol="0">
+            <a:spAutoFit/>
+          </a:bodyPr>
+          <a:lstStyle/>
+          <a:p>
+            <a:r>
+              <a:rPr lang="en-NZ" sz="1400" dirty="0" smtClean="0">
+                <a:sym typeface="Wingdings" pitchFamily="2" charset="2"/>
+              </a:rPr>
+              <a:t>  “bird”, “canoe”, “dog”, “elephant”, “inventories”, “</a:t>
+            </a:r>
+            <a:r>
+              <a:rPr lang="en-NZ" sz="1400" dirty="0" err="1" smtClean="0">
+                <a:sym typeface="Wingdings" pitchFamily="2" charset="2"/>
+              </a:rPr>
+              <a:t>ladel</a:t>
+            </a:r>
+            <a:r>
+              <a:rPr lang="en-NZ" sz="1400" dirty="0" smtClean="0">
+                <a:sym typeface="Wingdings" pitchFamily="2" charset="2"/>
+              </a:rPr>
+              <a:t>”, “mission”, “piranha”, etc are called LOCATIONs</a:t>
             </a:r>
             <a:endParaRPr lang="en-NZ" sz="1400" dirty="0"/>
           </a:p>
@@ -4346,7 +4095,7 @@
 </p:sld>
 </file>
 
-<file path=ppt/slides/slide6.xml><?xml version="1.0" encoding="utf-8"?>
+<file path=ppt/slides/slide4.xml><?xml version="1.0" encoding="utf-8"?>
 <p:sld xmlns:a="http://schemas.openxmlformats.org/drawingml/2006/main" xmlns:r="http://schemas.openxmlformats.org/officeDocument/2006/relationships" xmlns:p="http://schemas.openxmlformats.org/presentationml/2006/main">
   <p:cSld>
     <p:spTree>
@@ -4365,7 +4114,7 @@
       </p:grpSpPr>
       <p:pic>
         <p:nvPicPr>
-          <p:cNvPr id="5122" name="Picture 2"/>
+          <p:cNvPr id="10242" name="Picture 2"/>
           <p:cNvPicPr>
             <a:picLocks noChangeAspect="1" noChangeArrowheads="1"/>
           </p:cNvPicPr>
@@ -4404,6 +4153,374 @@
         <p:spPr>
           <a:xfrm>
             <a:off x="6084168" y="0"/>
+            <a:ext cx="3059832" cy="6309420"/>
+          </a:xfrm>
+          <a:prstGeom prst="rect">
+            <a:avLst/>
+          </a:prstGeom>
+        </p:spPr>
+        <p:txBody>
+          <a:bodyPr wrap="square">
+            <a:spAutoFit/>
+          </a:bodyPr>
+          <a:lstStyle/>
+          <a:p>
+            <a:r>
+              <a:rPr lang="en-NZ" sz="5400" b="1" dirty="0" smtClean="0"/>
+              <a:t>CAMERAS</a:t>
+            </a:r>
+          </a:p>
+          <a:p>
+            <a:r>
+              <a:rPr lang="en-NZ" sz="1400" dirty="0" smtClean="0"/>
+              <a:t>The subfolders of a location are called its CAMERAs.</a:t>
+            </a:r>
+          </a:p>
+          <a:p>
+            <a:endParaRPr lang="en-NZ" sz="1400" dirty="0" smtClean="0"/>
+          </a:p>
+          <a:p>
+            <a:r>
+              <a:rPr lang="en-NZ" sz="1400" dirty="0" smtClean="0"/>
+              <a:t>For every folder , OnlyLoader.java file is created</a:t>
+            </a:r>
+          </a:p>
+          <a:p>
+            <a:endParaRPr lang="en-NZ" sz="1400" dirty="0" smtClean="0"/>
+          </a:p>
+          <a:p>
+            <a:r>
+              <a:rPr lang="en-NZ" sz="1400" dirty="0" smtClean="0"/>
+              <a:t>In addition to these:</a:t>
+            </a:r>
+          </a:p>
+          <a:p>
+            <a:r>
+              <a:rPr lang="en-NZ" sz="1400" dirty="0" smtClean="0"/>
+              <a:t>If a camera has “Inv” in its name, then it is treated as an inventory file, and an I.java file is created. These are used in game code to identify inventory items.</a:t>
+            </a:r>
+          </a:p>
+          <a:p>
+            <a:endParaRPr lang="en-NZ" sz="1400" dirty="0" smtClean="0"/>
+          </a:p>
+          <a:p>
+            <a:endParaRPr lang="en-NZ" sz="1400" dirty="0"/>
+          </a:p>
+          <a:p>
+            <a:r>
+              <a:rPr lang="en-NZ" sz="1400" dirty="0" smtClean="0"/>
+              <a:t>If  a camera has “shared” in its name, then no  </a:t>
+            </a:r>
+          </a:p>
+          <a:p>
+            <a:endParaRPr lang="en-NZ" sz="1400" dirty="0" smtClean="0"/>
+          </a:p>
+          <a:p>
+            <a:r>
+              <a:rPr lang="en-NZ" sz="1400" dirty="0" smtClean="0"/>
+              <a:t>Note: Cameras are called cameras because each is the output from a single camera in a 3D package. Sometimes the cameras are from the same 3D scene file, sometimes they aren’t.</a:t>
+            </a:r>
+          </a:p>
+          <a:p>
+            <a:endParaRPr lang="en-NZ" sz="1400" dirty="0"/>
+          </a:p>
+          <a:p>
+            <a:endParaRPr lang="en-NZ" sz="1400" dirty="0" smtClean="0"/>
+          </a:p>
+          <a:p>
+            <a:pPr marL="800100" lvl="1" indent="-342900">
+              <a:buAutoNum type="arabicPeriod"/>
+            </a:pPr>
+            <a:endParaRPr lang="en-NZ" sz="1400" dirty="0" smtClean="0"/>
+          </a:p>
+        </p:txBody>
+      </p:sp>
+      <p:sp>
+        <p:nvSpPr>
+          <p:cNvPr id="10" name="TextBox 9"/>
+          <p:cNvSpPr txBox="1"/>
+          <p:nvPr/>
+        </p:nvSpPr>
+        <p:spPr>
+          <a:xfrm>
+            <a:off x="2483768" y="2636912"/>
+            <a:ext cx="3024336" cy="738664"/>
+          </a:xfrm>
+          <a:prstGeom prst="rect">
+            <a:avLst/>
+          </a:prstGeom>
+          <a:noFill/>
+        </p:spPr>
+        <p:txBody>
+          <a:bodyPr wrap="square" rtlCol="0">
+            <a:spAutoFit/>
+          </a:bodyPr>
+          <a:lstStyle/>
+          <a:p>
+            <a:r>
+              <a:rPr lang="en-NZ" sz="1400" dirty="0" smtClean="0">
+                <a:sym typeface="Wingdings" pitchFamily="2" charset="2"/>
+              </a:rPr>
+              <a:t>  “Piranha</a:t>
+            </a:r>
+            <a:r>
+              <a:rPr lang="en-NZ" sz="1400" dirty="0" smtClean="0">
+                <a:sym typeface="Wingdings" pitchFamily="2" charset="2"/>
+              </a:rPr>
+              <a:t>”, “</a:t>
+            </a:r>
+            <a:r>
+              <a:rPr lang="en-NZ" sz="1400" dirty="0" err="1" smtClean="0">
+                <a:sym typeface="Wingdings" pitchFamily="2" charset="2"/>
+              </a:rPr>
+              <a:t>PiranhaInv</a:t>
+            </a:r>
+            <a:r>
+              <a:rPr lang="en-NZ" sz="1400" dirty="0" smtClean="0">
+                <a:sym typeface="Wingdings" pitchFamily="2" charset="2"/>
+              </a:rPr>
+              <a:t>” and </a:t>
+            </a:r>
+            <a:r>
+              <a:rPr lang="en-NZ" sz="1400" dirty="0" smtClean="0">
+                <a:sym typeface="Wingdings" pitchFamily="2" charset="2"/>
+              </a:rPr>
+              <a:t>“</a:t>
+            </a:r>
+            <a:r>
+              <a:rPr lang="en-NZ" sz="1400" dirty="0" err="1" smtClean="0">
+                <a:sym typeface="Wingdings" pitchFamily="2" charset="2"/>
+              </a:rPr>
+              <a:t>PiranhaWalkShared</a:t>
+            </a:r>
+            <a:r>
+              <a:rPr lang="en-NZ" sz="1400" dirty="0" smtClean="0">
+                <a:sym typeface="Wingdings" pitchFamily="2" charset="2"/>
+              </a:rPr>
+              <a:t>” are </a:t>
+            </a:r>
+            <a:r>
+              <a:rPr lang="en-NZ" sz="1400" dirty="0" smtClean="0">
+                <a:sym typeface="Wingdings" pitchFamily="2" charset="2"/>
+              </a:rPr>
+              <a:t>all </a:t>
+            </a:r>
+            <a:r>
+              <a:rPr lang="en-NZ" sz="1400" dirty="0" smtClean="0">
+                <a:sym typeface="Wingdings" pitchFamily="2" charset="2"/>
+              </a:rPr>
+              <a:t>CAMERA folders.</a:t>
+            </a:r>
+            <a:endParaRPr lang="en-NZ" sz="1400" dirty="0"/>
+          </a:p>
+        </p:txBody>
+      </p:sp>
+    </p:spTree>
+  </p:cSld>
+  <p:clrMapOvr>
+    <a:masterClrMapping/>
+  </p:clrMapOvr>
+</p:sld>
+</file>
+
+<file path=ppt/slides/slide5.xml><?xml version="1.0" encoding="utf-8"?>
+<p:sld xmlns:a="http://schemas.openxmlformats.org/drawingml/2006/main" xmlns:r="http://schemas.openxmlformats.org/officeDocument/2006/relationships" xmlns:p="http://schemas.openxmlformats.org/presentationml/2006/main">
+  <p:cSld>
+    <p:spTree>
+      <p:nvGrpSpPr>
+        <p:cNvPr id="1" name=""/>
+        <p:cNvGrpSpPr/>
+        <p:nvPr/>
+      </p:nvGrpSpPr>
+      <p:grpSpPr>
+        <a:xfrm>
+          <a:off x="0" y="0"/>
+          <a:ext cx="0" cy="0"/>
+          <a:chOff x="0" y="0"/>
+          <a:chExt cx="0" cy="0"/>
+        </a:xfrm>
+      </p:grpSpPr>
+      <p:pic>
+        <p:nvPicPr>
+          <p:cNvPr id="9219" name="Picture 3"/>
+          <p:cNvPicPr>
+            <a:picLocks noChangeAspect="1" noChangeArrowheads="1"/>
+          </p:cNvPicPr>
+          <p:nvPr/>
+        </p:nvPicPr>
+        <p:blipFill>
+          <a:blip r:embed="rId2" cstate="print"/>
+          <a:srcRect/>
+          <a:stretch>
+            <a:fillRect/>
+          </a:stretch>
+        </p:blipFill>
+        <p:spPr bwMode="auto">
+          <a:xfrm>
+            <a:off x="0" y="0"/>
+            <a:ext cx="6096000" cy="7239000"/>
+          </a:xfrm>
+          <a:prstGeom prst="rect">
+            <a:avLst/>
+          </a:prstGeom>
+          <a:noFill/>
+          <a:ln w="9525">
+            <a:noFill/>
+            <a:miter lim="800000"/>
+            <a:headEnd/>
+            <a:tailEnd/>
+          </a:ln>
+        </p:spPr>
+      </p:pic>
+      <p:sp>
+        <p:nvSpPr>
+          <p:cNvPr id="5" name="Rectangle 4"/>
+          <p:cNvSpPr/>
+          <p:nvPr/>
+        </p:nvSpPr>
+        <p:spPr>
+          <a:xfrm>
+            <a:off x="6084168" y="0"/>
+            <a:ext cx="3059832" cy="4462760"/>
+          </a:xfrm>
+          <a:prstGeom prst="rect">
+            <a:avLst/>
+          </a:prstGeom>
+        </p:spPr>
+        <p:txBody>
+          <a:bodyPr wrap="square">
+            <a:spAutoFit/>
+          </a:bodyPr>
+          <a:lstStyle/>
+          <a:p>
+            <a:r>
+              <a:rPr lang="en-NZ" sz="6000" b="1" dirty="0" smtClean="0"/>
+              <a:t>OBJECTS</a:t>
+            </a:r>
+          </a:p>
+          <a:p>
+            <a:r>
+              <a:rPr lang="en-NZ" sz="1400" dirty="0"/>
+              <a:t>T</a:t>
+            </a:r>
+            <a:r>
+              <a:rPr lang="en-NZ" sz="1400" dirty="0" smtClean="0"/>
+              <a:t>he subfolders of a camera are called its OBJECTs.</a:t>
+            </a:r>
+          </a:p>
+          <a:p>
+            <a:endParaRPr lang="en-NZ" sz="1400" dirty="0" smtClean="0"/>
+          </a:p>
+          <a:p>
+            <a:r>
+              <a:rPr lang="en-NZ" sz="1400" dirty="0" smtClean="0"/>
+              <a:t>Object’s can be thought of as </a:t>
+            </a:r>
+            <a:r>
+              <a:rPr lang="en-NZ" sz="1400" dirty="0" err="1" smtClean="0"/>
+              <a:t>analgous</a:t>
+            </a:r>
+            <a:r>
+              <a:rPr lang="en-NZ" sz="1400" dirty="0" smtClean="0"/>
+              <a:t> to layers. The scene is rendered by layering each layer on top of each other, starting alphanumerically.</a:t>
+            </a:r>
+          </a:p>
+          <a:p>
+            <a:endParaRPr lang="en-NZ" sz="1400" dirty="0"/>
+          </a:p>
+          <a:p>
+            <a:r>
+              <a:rPr lang="en-NZ" sz="1400" dirty="0" smtClean="0"/>
+              <a:t>It makes sense to use number prefixes.</a:t>
+            </a:r>
+          </a:p>
+          <a:p>
+            <a:endParaRPr lang="en-NZ" sz="1400" dirty="0"/>
+          </a:p>
+          <a:p>
+            <a:r>
+              <a:rPr lang="en-NZ" sz="1400" dirty="0" smtClean="0"/>
+              <a:t>The underscore preceding the number doesn’t make much sense yet... Let’s just says its needed if this folder structure is to be used in GWT.</a:t>
+            </a:r>
+            <a:endParaRPr lang="en-NZ" sz="1400" dirty="0"/>
+          </a:p>
+          <a:p>
+            <a:endParaRPr lang="en-NZ" sz="1400" dirty="0" smtClean="0"/>
+          </a:p>
+          <a:p>
+            <a:pPr marL="800100" lvl="1" indent="-342900">
+              <a:buAutoNum type="arabicPeriod"/>
+            </a:pPr>
+            <a:endParaRPr lang="en-NZ" sz="1400" dirty="0" smtClean="0"/>
+          </a:p>
+        </p:txBody>
+      </p:sp>
+      <p:sp>
+        <p:nvSpPr>
+          <p:cNvPr id="6" name="TextBox 5"/>
+          <p:cNvSpPr txBox="1"/>
+          <p:nvPr/>
+        </p:nvSpPr>
+        <p:spPr>
+          <a:xfrm>
+            <a:off x="2267744" y="3933056"/>
+            <a:ext cx="3024336" cy="523220"/>
+          </a:xfrm>
+          <a:prstGeom prst="rect">
+            <a:avLst/>
+          </a:prstGeom>
+          <a:noFill/>
+        </p:spPr>
+        <p:txBody>
+          <a:bodyPr wrap="square" rtlCol="0">
+            <a:spAutoFit/>
+          </a:bodyPr>
+          <a:lstStyle/>
+          <a:p>
+            <a:r>
+              <a:rPr lang="en-NZ" sz="1400" dirty="0" smtClean="0">
+                <a:sym typeface="Wingdings" pitchFamily="2" charset="2"/>
+              </a:rPr>
+              <a:t>  All these folders with number prefixes are called OBJECTs</a:t>
+            </a:r>
+            <a:endParaRPr lang="en-NZ" sz="1400" dirty="0"/>
+          </a:p>
+        </p:txBody>
+      </p:sp>
+    </p:spTree>
+  </p:cSld>
+  <p:clrMapOvr>
+    <a:masterClrMapping/>
+  </p:clrMapOvr>
+</p:sld>
+</file>
+
+<file path=ppt/slides/slide6.xml><?xml version="1.0" encoding="utf-8"?>
+<p:sld xmlns:a="http://schemas.openxmlformats.org/drawingml/2006/main" xmlns:r="http://schemas.openxmlformats.org/officeDocument/2006/relationships" xmlns:p="http://schemas.openxmlformats.org/presentationml/2006/main">
+  <p:cSld>
+    <p:spTree>
+      <p:nvGrpSpPr>
+        <p:cNvPr id="1" name=""/>
+        <p:cNvGrpSpPr/>
+        <p:nvPr/>
+      </p:nvGrpSpPr>
+      <p:grpSpPr>
+        <a:xfrm>
+          <a:off x="0" y="0"/>
+          <a:ext cx="0" cy="0"/>
+          <a:chOff x="0" y="0"/>
+          <a:chExt cx="0" cy="0"/>
+        </a:xfrm>
+      </p:grpSpPr>
+      <p:sp>
+        <p:nvSpPr>
+          <p:cNvPr id="6" name="Rectangle 5"/>
+          <p:cNvSpPr/>
+          <p:nvPr/>
+        </p:nvSpPr>
+        <p:spPr>
+          <a:xfrm>
+            <a:off x="6084168" y="0"/>
             <a:ext cx="3059832" cy="3939540"/>
           </a:xfrm>
           <a:prstGeom prst="rect">
@@ -4459,13 +4576,118 @@
               <a:rPr lang="en-NZ" sz="1400" dirty="0" smtClean="0"/>
               <a:t>When a scene is loaded, the first frame from the animation entitled “initial” is displayed. </a:t>
             </a:r>
-            <a:endParaRPr lang="en-NZ" sz="1400" dirty="0" smtClean="0"/>
           </a:p>
           <a:p>
             <a:pPr marL="800100" lvl="1" indent="-342900">
               <a:buAutoNum type="arabicPeriod"/>
             </a:pPr>
             <a:endParaRPr lang="en-NZ" sz="1400" dirty="0" smtClean="0"/>
+          </a:p>
+        </p:txBody>
+      </p:sp>
+      <p:pic>
+        <p:nvPicPr>
+          <p:cNvPr id="8194" name="Picture 2"/>
+          <p:cNvPicPr>
+            <a:picLocks noChangeAspect="1" noChangeArrowheads="1"/>
+          </p:cNvPicPr>
+          <p:nvPr/>
+        </p:nvPicPr>
+        <p:blipFill>
+          <a:blip r:embed="rId2" cstate="print"/>
+          <a:srcRect/>
+          <a:stretch>
+            <a:fillRect/>
+          </a:stretch>
+        </p:blipFill>
+        <p:spPr bwMode="auto">
+          <a:xfrm>
+            <a:off x="0" y="0"/>
+            <a:ext cx="6096000" cy="7239000"/>
+          </a:xfrm>
+          <a:prstGeom prst="rect">
+            <a:avLst/>
+          </a:prstGeom>
+          <a:noFill/>
+          <a:ln w="9525">
+            <a:noFill/>
+            <a:miter lim="800000"/>
+            <a:headEnd/>
+            <a:tailEnd/>
+          </a:ln>
+        </p:spPr>
+      </p:pic>
+      <p:sp>
+        <p:nvSpPr>
+          <p:cNvPr id="5" name="TextBox 4"/>
+          <p:cNvSpPr txBox="1"/>
+          <p:nvPr/>
+        </p:nvSpPr>
+        <p:spPr>
+          <a:xfrm>
+            <a:off x="2267744" y="5373216"/>
+            <a:ext cx="3312368" cy="307777"/>
+          </a:xfrm>
+          <a:prstGeom prst="rect">
+            <a:avLst/>
+          </a:prstGeom>
+          <a:noFill/>
+        </p:spPr>
+        <p:txBody>
+          <a:bodyPr wrap="square" rtlCol="0">
+            <a:spAutoFit/>
+          </a:bodyPr>
+          <a:lstStyle/>
+          <a:p>
+            <a:r>
+              <a:rPr lang="en-NZ" sz="1400" dirty="0" smtClean="0">
+                <a:sym typeface="Wingdings" pitchFamily="2" charset="2"/>
+              </a:rPr>
+              <a:t>  </a:t>
+            </a:r>
+            <a:r>
+              <a:rPr lang="en-NZ" sz="1400" dirty="0" smtClean="0">
+                <a:sym typeface="Wingdings" pitchFamily="2" charset="2"/>
+              </a:rPr>
+              <a:t>T</a:t>
+            </a:r>
+            <a:r>
+              <a:rPr lang="en-NZ" sz="1400" dirty="0" smtClean="0">
+                <a:sym typeface="Wingdings" pitchFamily="2" charset="2"/>
+              </a:rPr>
+              <a:t>hese </a:t>
+            </a:r>
+            <a:r>
+              <a:rPr lang="en-NZ" sz="1400" dirty="0" smtClean="0">
+                <a:sym typeface="Wingdings" pitchFamily="2" charset="2"/>
+              </a:rPr>
+              <a:t>folders </a:t>
+            </a:r>
+            <a:r>
+              <a:rPr lang="en-NZ" sz="1400" dirty="0" smtClean="0">
+                <a:sym typeface="Wingdings" pitchFamily="2" charset="2"/>
+              </a:rPr>
+              <a:t>are </a:t>
+            </a:r>
+            <a:r>
+              <a:rPr lang="en-NZ" sz="1400" dirty="0" smtClean="0">
+                <a:sym typeface="Wingdings" pitchFamily="2" charset="2"/>
+              </a:rPr>
+              <a:t>called </a:t>
+            </a:r>
+            <a:r>
+              <a:rPr lang="en-NZ" sz="1400" dirty="0" smtClean="0">
+                <a:sym typeface="Wingdings" pitchFamily="2" charset="2"/>
+              </a:rPr>
+              <a:t>ANIMATION</a:t>
+            </a:r>
+            <a:r>
+              <a:rPr lang="en-NZ" sz="1400" dirty="0" smtClean="0">
+                <a:sym typeface="Wingdings" pitchFamily="2" charset="2"/>
+              </a:rPr>
+              <a:t>s</a:t>
+            </a:r>
+            <a:endParaRPr lang="en-NZ" sz="1400" dirty="0"/>
           </a:p>
         </p:txBody>
       </p:sp>
@@ -4547,7 +4769,6 @@
               <a:rPr lang="en-NZ" sz="1400" dirty="0" smtClean="0"/>
               <a:t>One of the jobs the generator does  when it processes this folder structure, is to trim away the white space. IT does this whilst recording  her positioning information in a java file, so the scene is easy to reconstruct.</a:t>
             </a:r>
-            <a:endParaRPr lang="en-NZ" sz="1400" dirty="0" smtClean="0"/>
           </a:p>
           <a:p>
             <a:pPr marL="800100" lvl="1" indent="-342900">
@@ -4559,7 +4780,7 @@
       </p:sp>
       <p:pic>
         <p:nvPicPr>
-          <p:cNvPr id="6146" name="Picture 2"/>
+          <p:cNvPr id="7171" name="Picture 3"/>
           <p:cNvPicPr>
             <a:picLocks noChangeAspect="1" noChangeArrowheads="1"/>
           </p:cNvPicPr>
@@ -4574,7 +4795,7 @@
         </p:blipFill>
         <p:spPr bwMode="auto">
           <a:xfrm>
-            <a:off x="0" y="0"/>
+            <a:off x="0" y="6424"/>
             <a:ext cx="6096000" cy="7239000"/>
           </a:xfrm>
           <a:prstGeom prst="rect">
@@ -4727,9 +4948,72 @@
           <a:chExt cx="0" cy="0"/>
         </a:xfrm>
       </p:grpSpPr>
+      <p:sp>
+        <p:nvSpPr>
+          <p:cNvPr id="15" name="TextBox 14"/>
+          <p:cNvSpPr txBox="1"/>
+          <p:nvPr/>
+        </p:nvSpPr>
+        <p:spPr>
+          <a:xfrm>
+            <a:off x="6084168" y="0"/>
+            <a:ext cx="3059832" cy="4031873"/>
+          </a:xfrm>
+          <a:prstGeom prst="rect">
+            <a:avLst/>
+          </a:prstGeom>
+          <a:noFill/>
+        </p:spPr>
+        <p:txBody>
+          <a:bodyPr wrap="square" rtlCol="0">
+            <a:spAutoFit/>
+          </a:bodyPr>
+          <a:lstStyle/>
+          <a:p>
+            <a:r>
+              <a:rPr lang="en-NZ" sz="4600" b="1" dirty="0" smtClean="0"/>
+              <a:t>Bundle.java</a:t>
+            </a:r>
+          </a:p>
+          <a:p>
+            <a:r>
+              <a:rPr lang="en-NZ" sz="1400" dirty="0" smtClean="0"/>
+              <a:t>Every  subfolder that contains useful PNGs will have Bundle.java files generated.</a:t>
+            </a:r>
+          </a:p>
+          <a:p>
+            <a:endParaRPr lang="en-NZ" sz="1400" dirty="0"/>
+          </a:p>
+          <a:p>
+            <a:r>
+              <a:rPr lang="en-NZ" sz="1400" dirty="0"/>
+              <a:t>T</a:t>
+            </a:r>
+            <a:r>
+              <a:rPr lang="en-NZ" sz="1400" dirty="0" smtClean="0"/>
+              <a:t>hese split the images in to easily loadable bundles. These are prompted by a useful download optimization of GWT, but the similar style is mimicked in Swing for the sake of coherence. </a:t>
+            </a:r>
+          </a:p>
+          <a:p>
+            <a:endParaRPr lang="en-NZ" sz="1400" dirty="0"/>
+          </a:p>
+          <a:p>
+            <a:r>
+              <a:rPr lang="en-NZ" sz="1400" dirty="0" smtClean="0"/>
+              <a:t>At the most there are 10 of these. This number was arrived at using trial and error whilst trying to get the best progress bar response.</a:t>
+            </a:r>
+          </a:p>
+          <a:p>
+            <a:pPr marL="342900" indent="-342900">
+              <a:buAutoNum type="arabicPeriod"/>
+            </a:pPr>
+            <a:endParaRPr lang="en-NZ" sz="1400" dirty="0" smtClean="0"/>
+          </a:p>
+        </p:txBody>
+      </p:sp>
       <p:pic>
         <p:nvPicPr>
-          <p:cNvPr id="6" name="Picture 2"/>
+          <p:cNvPr id="6146" name="Picture 2"/>
           <p:cNvPicPr>
             <a:picLocks noChangeAspect="1" noChangeArrowheads="1"/>
           </p:cNvPicPr>
@@ -4759,141 +5043,6 @@
           </a:ln>
         </p:spPr>
       </p:pic>
-      <p:sp>
-        <p:nvSpPr>
-          <p:cNvPr id="15" name="TextBox 14"/>
-          <p:cNvSpPr txBox="1"/>
-          <p:nvPr/>
-        </p:nvSpPr>
-        <p:spPr>
-          <a:xfrm>
-            <a:off x="6084168" y="0"/>
-            <a:ext cx="3059832" cy="4031873"/>
-          </a:xfrm>
-          <a:prstGeom prst="rect">
-            <a:avLst/>
-          </a:prstGeom>
-          <a:noFill/>
-        </p:spPr>
-        <p:txBody>
-          <a:bodyPr wrap="square" rtlCol="0">
-            <a:spAutoFit/>
-          </a:bodyPr>
-          <a:lstStyle/>
-          <a:p>
-            <a:r>
-              <a:rPr lang="en-NZ" sz="4600" b="1" dirty="0" smtClean="0"/>
-              <a:t>Bundle.java</a:t>
-            </a:r>
-          </a:p>
-          <a:p>
-            <a:r>
-              <a:rPr lang="en-NZ" sz="1400" dirty="0" smtClean="0"/>
-              <a:t>Every  subfolder that contains useful PNGs will have Bundle.java files generated.</a:t>
-            </a:r>
-          </a:p>
-          <a:p>
-            <a:endParaRPr lang="en-NZ" sz="1400" dirty="0"/>
-          </a:p>
-          <a:p>
-            <a:r>
-              <a:rPr lang="en-NZ" sz="1400" dirty="0"/>
-              <a:t>T</a:t>
-            </a:r>
-            <a:r>
-              <a:rPr lang="en-NZ" sz="1400" dirty="0" smtClean="0"/>
-              <a:t>hese split the images in to easily loadable bundles. These are prompted by a useful download optimization of GWT, but the similar style is mimicked in Swing for the sake of coherence. </a:t>
-            </a:r>
-          </a:p>
-          <a:p>
-            <a:endParaRPr lang="en-NZ" sz="1400" dirty="0"/>
-          </a:p>
-          <a:p>
-            <a:r>
-              <a:rPr lang="en-NZ" sz="1400" dirty="0" smtClean="0"/>
-              <a:t>At the most there are 10 of these. This number was arrived at using trial and error whilst trying to get the best progress bar response.</a:t>
-            </a:r>
-          </a:p>
-          <a:p>
-            <a:pPr marL="342900" indent="-342900">
-              <a:buAutoNum type="arabicPeriod"/>
-            </a:pPr>
-            <a:endParaRPr lang="en-NZ" sz="1400" dirty="0" smtClean="0"/>
-          </a:p>
-        </p:txBody>
-      </p:sp>
-      <p:sp>
-        <p:nvSpPr>
-          <p:cNvPr id="12" name="TextBox 11"/>
-          <p:cNvSpPr txBox="1"/>
-          <p:nvPr/>
-        </p:nvSpPr>
-        <p:spPr>
-          <a:xfrm>
-            <a:off x="1835696" y="1484784"/>
-            <a:ext cx="1583895" cy="307777"/>
-          </a:xfrm>
-          <a:prstGeom prst="rect">
-            <a:avLst/>
-          </a:prstGeom>
-          <a:noFill/>
-        </p:spPr>
-        <p:txBody>
-          <a:bodyPr wrap="none" rtlCol="0">
-            <a:spAutoFit/>
-          </a:bodyPr>
-          <a:lstStyle/>
-          <a:p>
-            <a:r>
-              <a:rPr lang="en-NZ" sz="1400" dirty="0" smtClean="0">
-                <a:sym typeface="Wingdings" pitchFamily="2" charset="2"/>
-              </a:rPr>
-              <a:t>  “</a:t>
-            </a:r>
-            <a:r>
-              <a:rPr lang="en-NZ" sz="1400" dirty="0" err="1" smtClean="0"/>
-              <a:t>sourceimages</a:t>
-            </a:r>
-            <a:r>
-              <a:rPr lang="en-NZ" sz="1400" dirty="0" smtClean="0"/>
-              <a:t>”</a:t>
-            </a:r>
-            <a:endParaRPr lang="en-NZ" sz="1400" dirty="0"/>
-          </a:p>
-        </p:txBody>
-      </p:sp>
-      <p:sp>
-        <p:nvSpPr>
-          <p:cNvPr id="13" name="TextBox 12"/>
-          <p:cNvSpPr txBox="1"/>
-          <p:nvPr/>
-        </p:nvSpPr>
-        <p:spPr>
-          <a:xfrm>
-            <a:off x="1979712" y="4005064"/>
-            <a:ext cx="1075936" cy="307777"/>
-          </a:xfrm>
-          <a:prstGeom prst="rect">
-            <a:avLst/>
-          </a:prstGeom>
-          <a:noFill/>
-        </p:spPr>
-        <p:txBody>
-          <a:bodyPr wrap="none" rtlCol="0">
-            <a:spAutoFit/>
-          </a:bodyPr>
-          <a:lstStyle/>
-          <a:p>
-            <a:r>
-              <a:rPr lang="en-NZ" sz="1400" dirty="0" smtClean="0">
-                <a:sym typeface="Wingdings" pitchFamily="2" charset="2"/>
-              </a:rPr>
-              <a:t>  “visuals”</a:t>
-            </a:r>
-            <a:endParaRPr lang="en-NZ" sz="1400" dirty="0"/>
-          </a:p>
-        </p:txBody>
-      </p:sp>
     </p:spTree>
   </p:cSld>
   <p:clrMapOvr>
